--- a/KeywordSuggestion.pptx
+++ b/KeywordSuggestion.pptx
@@ -4,6 +4,9 @@
   <p:sldMasterIdLst>
     <p:sldMasterId id="2147483648" r:id="rId1"/>
   </p:sldMasterIdLst>
+  <p:notesMasterIdLst>
+    <p:notesMasterId r:id="rId6"/>
+  </p:notesMasterIdLst>
   <p:sldIdLst>
     <p:sldId id="256" r:id="rId2"/>
     <p:sldId id="257" r:id="rId3"/>
@@ -113,6 +116,621 @@
     </p:ext>
   </p:extLst>
 </p:presentation>
+</file>
+
+<file path=ppt/notesMasters/notesMaster1.xml><?xml version="1.0" encoding="utf-8"?>
+<p:notesMaster xmlns:a="http://schemas.openxmlformats.org/drawingml/2006/main" xmlns:r="http://schemas.openxmlformats.org/officeDocument/2006/relationships" xmlns:p="http://schemas.openxmlformats.org/presentationml/2006/main">
+  <p:cSld>
+    <p:bg>
+      <p:bgRef idx="1001">
+        <a:schemeClr val="bg1"/>
+      </p:bgRef>
+    </p:bg>
+    <p:spTree>
+      <p:nvGrpSpPr>
+        <p:cNvPr id="1" name=""/>
+        <p:cNvGrpSpPr/>
+        <p:nvPr/>
+      </p:nvGrpSpPr>
+      <p:grpSpPr>
+        <a:xfrm>
+          <a:off x="0" y="0"/>
+          <a:ext cx="0" cy="0"/>
+          <a:chOff x="0" y="0"/>
+          <a:chExt cx="0" cy="0"/>
+        </a:xfrm>
+      </p:grpSpPr>
+      <p:sp>
+        <p:nvSpPr>
+          <p:cNvPr id="2" name="Header Placeholder 1"/>
+          <p:cNvSpPr>
+            <a:spLocks noGrp="1"/>
+          </p:cNvSpPr>
+          <p:nvPr>
+            <p:ph type="hdr" sz="quarter"/>
+          </p:nvPr>
+        </p:nvSpPr>
+        <p:spPr>
+          <a:xfrm>
+            <a:off x="0" y="0"/>
+            <a:ext cx="2971800" cy="458788"/>
+          </a:xfrm>
+          <a:prstGeom prst="rect">
+            <a:avLst/>
+          </a:prstGeom>
+        </p:spPr>
+        <p:txBody>
+          <a:bodyPr vert="horz" lIns="91440" tIns="45720" rIns="91440" bIns="45720" rtlCol="0"/>
+          <a:lstStyle>
+            <a:lvl1pPr algn="l">
+              <a:defRPr sz="1200"/>
+            </a:lvl1pPr>
+          </a:lstStyle>
+          <a:p>
+            <a:endParaRPr lang="en-US"/>
+          </a:p>
+        </p:txBody>
+      </p:sp>
+      <p:sp>
+        <p:nvSpPr>
+          <p:cNvPr id="3" name="Date Placeholder 2"/>
+          <p:cNvSpPr>
+            <a:spLocks noGrp="1"/>
+          </p:cNvSpPr>
+          <p:nvPr>
+            <p:ph type="dt" idx="1"/>
+          </p:nvPr>
+        </p:nvSpPr>
+        <p:spPr>
+          <a:xfrm>
+            <a:off x="3884613" y="0"/>
+            <a:ext cx="2971800" cy="458788"/>
+          </a:xfrm>
+          <a:prstGeom prst="rect">
+            <a:avLst/>
+          </a:prstGeom>
+        </p:spPr>
+        <p:txBody>
+          <a:bodyPr vert="horz" lIns="91440" tIns="45720" rIns="91440" bIns="45720" rtlCol="0"/>
+          <a:lstStyle>
+            <a:lvl1pPr algn="r">
+              <a:defRPr sz="1200"/>
+            </a:lvl1pPr>
+          </a:lstStyle>
+          <a:p>
+            <a:fld id="{4B205740-88D9-4209-A47E-0BCE9E80B102}" type="datetimeFigureOut">
+              <a:rPr lang="en-US" smtClean="0"/>
+              <a:t>4/3/2022</a:t>
+            </a:fld>
+            <a:endParaRPr lang="en-US"/>
+          </a:p>
+        </p:txBody>
+      </p:sp>
+      <p:sp>
+        <p:nvSpPr>
+          <p:cNvPr id="4" name="Slide Image Placeholder 3"/>
+          <p:cNvSpPr>
+            <a:spLocks noGrp="1" noRot="1" noChangeAspect="1"/>
+          </p:cNvSpPr>
+          <p:nvPr>
+            <p:ph type="sldImg" idx="2"/>
+          </p:nvPr>
+        </p:nvSpPr>
+        <p:spPr>
+          <a:xfrm>
+            <a:off x="685800" y="1143000"/>
+            <a:ext cx="5486400" cy="3086100"/>
+          </a:xfrm>
+          <a:prstGeom prst="rect">
+            <a:avLst/>
+          </a:prstGeom>
+          <a:noFill/>
+          <a:ln w="12700">
+            <a:solidFill>
+              <a:prstClr val="black"/>
+            </a:solidFill>
+          </a:ln>
+        </p:spPr>
+        <p:txBody>
+          <a:bodyPr vert="horz" lIns="91440" tIns="45720" rIns="91440" bIns="45720" rtlCol="0" anchor="ctr"/>
+          <a:lstStyle/>
+          <a:p>
+            <a:endParaRPr lang="en-US"/>
+          </a:p>
+        </p:txBody>
+      </p:sp>
+      <p:sp>
+        <p:nvSpPr>
+          <p:cNvPr id="5" name="Notes Placeholder 4"/>
+          <p:cNvSpPr>
+            <a:spLocks noGrp="1"/>
+          </p:cNvSpPr>
+          <p:nvPr>
+            <p:ph type="body" sz="quarter" idx="3"/>
+          </p:nvPr>
+        </p:nvSpPr>
+        <p:spPr>
+          <a:xfrm>
+            <a:off x="685800" y="4400550"/>
+            <a:ext cx="5486400" cy="3600450"/>
+          </a:xfrm>
+          <a:prstGeom prst="rect">
+            <a:avLst/>
+          </a:prstGeom>
+        </p:spPr>
+        <p:txBody>
+          <a:bodyPr vert="horz" lIns="91440" tIns="45720" rIns="91440" bIns="45720" rtlCol="0"/>
+          <a:lstStyle/>
+          <a:p>
+            <a:pPr lvl="0"/>
+            <a:r>
+              <a:rPr lang="en-US"/>
+              <a:t>Edit Master text styles</a:t>
+            </a:r>
+          </a:p>
+          <a:p>
+            <a:pPr lvl="1"/>
+            <a:r>
+              <a:rPr lang="en-US"/>
+              <a:t>Second level</a:t>
+            </a:r>
+          </a:p>
+          <a:p>
+            <a:pPr lvl="2"/>
+            <a:r>
+              <a:rPr lang="en-US"/>
+              <a:t>Third level</a:t>
+            </a:r>
+          </a:p>
+          <a:p>
+            <a:pPr lvl="3"/>
+            <a:r>
+              <a:rPr lang="en-US"/>
+              <a:t>Fourth level</a:t>
+            </a:r>
+          </a:p>
+          <a:p>
+            <a:pPr lvl="4"/>
+            <a:r>
+              <a:rPr lang="en-US"/>
+              <a:t>Fifth level</a:t>
+            </a:r>
+          </a:p>
+        </p:txBody>
+      </p:sp>
+      <p:sp>
+        <p:nvSpPr>
+          <p:cNvPr id="6" name="Footer Placeholder 5"/>
+          <p:cNvSpPr>
+            <a:spLocks noGrp="1"/>
+          </p:cNvSpPr>
+          <p:nvPr>
+            <p:ph type="ftr" sz="quarter" idx="4"/>
+          </p:nvPr>
+        </p:nvSpPr>
+        <p:spPr>
+          <a:xfrm>
+            <a:off x="0" y="8685213"/>
+            <a:ext cx="2971800" cy="458787"/>
+          </a:xfrm>
+          <a:prstGeom prst="rect">
+            <a:avLst/>
+          </a:prstGeom>
+        </p:spPr>
+        <p:txBody>
+          <a:bodyPr vert="horz" lIns="91440" tIns="45720" rIns="91440" bIns="45720" rtlCol="0" anchor="b"/>
+          <a:lstStyle>
+            <a:lvl1pPr algn="l">
+              <a:defRPr sz="1200"/>
+            </a:lvl1pPr>
+          </a:lstStyle>
+          <a:p>
+            <a:endParaRPr lang="en-US"/>
+          </a:p>
+        </p:txBody>
+      </p:sp>
+      <p:sp>
+        <p:nvSpPr>
+          <p:cNvPr id="7" name="Slide Number Placeholder 6"/>
+          <p:cNvSpPr>
+            <a:spLocks noGrp="1"/>
+          </p:cNvSpPr>
+          <p:nvPr>
+            <p:ph type="sldNum" sz="quarter" idx="5"/>
+          </p:nvPr>
+        </p:nvSpPr>
+        <p:spPr>
+          <a:xfrm>
+            <a:off x="3884613" y="8685213"/>
+            <a:ext cx="2971800" cy="458787"/>
+          </a:xfrm>
+          <a:prstGeom prst="rect">
+            <a:avLst/>
+          </a:prstGeom>
+        </p:spPr>
+        <p:txBody>
+          <a:bodyPr vert="horz" lIns="91440" tIns="45720" rIns="91440" bIns="45720" rtlCol="0" anchor="b"/>
+          <a:lstStyle>
+            <a:lvl1pPr algn="r">
+              <a:defRPr sz="1200"/>
+            </a:lvl1pPr>
+          </a:lstStyle>
+          <a:p>
+            <a:fld id="{9CCB2FE8-5A4E-411E-98E9-7037462713E5}" type="slidenum">
+              <a:rPr lang="en-US" smtClean="0"/>
+              <a:t>‹#›</a:t>
+            </a:fld>
+            <a:endParaRPr lang="en-US"/>
+          </a:p>
+        </p:txBody>
+      </p:sp>
+    </p:spTree>
+    <p:extLst>
+      <p:ext uri="{BB962C8B-B14F-4D97-AF65-F5344CB8AC3E}">
+        <p14:creationId xmlns:p14="http://schemas.microsoft.com/office/powerpoint/2010/main" val="2037254662"/>
+      </p:ext>
+    </p:extLst>
+  </p:cSld>
+  <p:clrMap bg1="lt1" tx1="dk1" bg2="lt2" tx2="dk2" accent1="accent1" accent2="accent2" accent3="accent3" accent4="accent4" accent5="accent5" accent6="accent6" hlink="hlink" folHlink="folHlink"/>
+  <p:notesStyle>
+    <a:lvl1pPr marL="0" algn="l" defTabSz="914400" rtl="0" eaLnBrk="1" latinLnBrk="0" hangingPunct="1">
+      <a:defRPr sz="1200" kern="1200">
+        <a:solidFill>
+          <a:schemeClr val="tx1"/>
+        </a:solidFill>
+        <a:latin typeface="+mn-lt"/>
+        <a:ea typeface="+mn-ea"/>
+        <a:cs typeface="+mn-cs"/>
+      </a:defRPr>
+    </a:lvl1pPr>
+    <a:lvl2pPr marL="457200" algn="l" defTabSz="914400" rtl="0" eaLnBrk="1" latinLnBrk="0" hangingPunct="1">
+      <a:defRPr sz="1200" kern="1200">
+        <a:solidFill>
+          <a:schemeClr val="tx1"/>
+        </a:solidFill>
+        <a:latin typeface="+mn-lt"/>
+        <a:ea typeface="+mn-ea"/>
+        <a:cs typeface="+mn-cs"/>
+      </a:defRPr>
+    </a:lvl2pPr>
+    <a:lvl3pPr marL="914400" algn="l" defTabSz="914400" rtl="0" eaLnBrk="1" latinLnBrk="0" hangingPunct="1">
+      <a:defRPr sz="1200" kern="1200">
+        <a:solidFill>
+          <a:schemeClr val="tx1"/>
+        </a:solidFill>
+        <a:latin typeface="+mn-lt"/>
+        <a:ea typeface="+mn-ea"/>
+        <a:cs typeface="+mn-cs"/>
+      </a:defRPr>
+    </a:lvl3pPr>
+    <a:lvl4pPr marL="1371600" algn="l" defTabSz="914400" rtl="0" eaLnBrk="1" latinLnBrk="0" hangingPunct="1">
+      <a:defRPr sz="1200" kern="1200">
+        <a:solidFill>
+          <a:schemeClr val="tx1"/>
+        </a:solidFill>
+        <a:latin typeface="+mn-lt"/>
+        <a:ea typeface="+mn-ea"/>
+        <a:cs typeface="+mn-cs"/>
+      </a:defRPr>
+    </a:lvl4pPr>
+    <a:lvl5pPr marL="1828800" algn="l" defTabSz="914400" rtl="0" eaLnBrk="1" latinLnBrk="0" hangingPunct="1">
+      <a:defRPr sz="1200" kern="1200">
+        <a:solidFill>
+          <a:schemeClr val="tx1"/>
+        </a:solidFill>
+        <a:latin typeface="+mn-lt"/>
+        <a:ea typeface="+mn-ea"/>
+        <a:cs typeface="+mn-cs"/>
+      </a:defRPr>
+    </a:lvl5pPr>
+    <a:lvl6pPr marL="2286000" algn="l" defTabSz="914400" rtl="0" eaLnBrk="1" latinLnBrk="0" hangingPunct="1">
+      <a:defRPr sz="1200" kern="1200">
+        <a:solidFill>
+          <a:schemeClr val="tx1"/>
+        </a:solidFill>
+        <a:latin typeface="+mn-lt"/>
+        <a:ea typeface="+mn-ea"/>
+        <a:cs typeface="+mn-cs"/>
+      </a:defRPr>
+    </a:lvl6pPr>
+    <a:lvl7pPr marL="2743200" algn="l" defTabSz="914400" rtl="0" eaLnBrk="1" latinLnBrk="0" hangingPunct="1">
+      <a:defRPr sz="1200" kern="1200">
+        <a:solidFill>
+          <a:schemeClr val="tx1"/>
+        </a:solidFill>
+        <a:latin typeface="+mn-lt"/>
+        <a:ea typeface="+mn-ea"/>
+        <a:cs typeface="+mn-cs"/>
+      </a:defRPr>
+    </a:lvl7pPr>
+    <a:lvl8pPr marL="3200400" algn="l" defTabSz="914400" rtl="0" eaLnBrk="1" latinLnBrk="0" hangingPunct="1">
+      <a:defRPr sz="1200" kern="1200">
+        <a:solidFill>
+          <a:schemeClr val="tx1"/>
+        </a:solidFill>
+        <a:latin typeface="+mn-lt"/>
+        <a:ea typeface="+mn-ea"/>
+        <a:cs typeface="+mn-cs"/>
+      </a:defRPr>
+    </a:lvl8pPr>
+    <a:lvl9pPr marL="3657600" algn="l" defTabSz="914400" rtl="0" eaLnBrk="1" latinLnBrk="0" hangingPunct="1">
+      <a:defRPr sz="1200" kern="1200">
+        <a:solidFill>
+          <a:schemeClr val="tx1"/>
+        </a:solidFill>
+        <a:latin typeface="+mn-lt"/>
+        <a:ea typeface="+mn-ea"/>
+        <a:cs typeface="+mn-cs"/>
+      </a:defRPr>
+    </a:lvl9pPr>
+  </p:notesStyle>
+</p:notesMaster>
+</file>
+
+<file path=ppt/notesSlides/notesSlide1.xml><?xml version="1.0" encoding="utf-8"?>
+<p:notes xmlns:a="http://schemas.openxmlformats.org/drawingml/2006/main" xmlns:r="http://schemas.openxmlformats.org/officeDocument/2006/relationships" xmlns:p="http://schemas.openxmlformats.org/presentationml/2006/main">
+  <p:cSld>
+    <p:spTree>
+      <p:nvGrpSpPr>
+        <p:cNvPr id="1" name=""/>
+        <p:cNvGrpSpPr/>
+        <p:nvPr/>
+      </p:nvGrpSpPr>
+      <p:grpSpPr>
+        <a:xfrm>
+          <a:off x="0" y="0"/>
+          <a:ext cx="0" cy="0"/>
+          <a:chOff x="0" y="0"/>
+          <a:chExt cx="0" cy="0"/>
+        </a:xfrm>
+      </p:grpSpPr>
+      <p:sp>
+        <p:nvSpPr>
+          <p:cNvPr id="2" name="Slide Image Placeholder 1"/>
+          <p:cNvSpPr>
+            <a:spLocks noGrp="1" noRot="1" noChangeAspect="1"/>
+          </p:cNvSpPr>
+          <p:nvPr>
+            <p:ph type="sldImg"/>
+          </p:nvPr>
+        </p:nvSpPr>
+        <p:spPr/>
+      </p:sp>
+      <p:sp>
+        <p:nvSpPr>
+          <p:cNvPr id="3" name="Notes Placeholder 2"/>
+          <p:cNvSpPr>
+            <a:spLocks noGrp="1"/>
+          </p:cNvSpPr>
+          <p:nvPr>
+            <p:ph type="body" idx="1"/>
+          </p:nvPr>
+        </p:nvSpPr>
+        <p:spPr/>
+        <p:txBody>
+          <a:bodyPr/>
+          <a:lstStyle/>
+          <a:p>
+            <a:r>
+              <a:rPr lang="ko-KR" altLang="en-US" dirty="0"/>
+              <a:t>한 </a:t>
+            </a:r>
+            <a:r>
+              <a:rPr lang="ko-KR" altLang="en-US" dirty="0" err="1"/>
+              <a:t>글자씩</a:t>
+            </a:r>
+            <a:r>
+              <a:rPr lang="ko-KR" altLang="en-US" dirty="0"/>
+              <a:t> </a:t>
+            </a:r>
+            <a:r>
+              <a:rPr lang="en-US" altLang="ko-KR" dirty="0"/>
+              <a:t>request </a:t>
+            </a:r>
+            <a:r>
+              <a:rPr lang="ko-KR" altLang="en-US" dirty="0"/>
+              <a:t>던지지 말고 </a:t>
+            </a:r>
+            <a:r>
+              <a:rPr lang="en-US" altLang="ko-KR" dirty="0"/>
+              <a:t>0.2</a:t>
+            </a:r>
+            <a:r>
+              <a:rPr lang="ko-KR" altLang="en-US" dirty="0" err="1"/>
+              <a:t>초정도</a:t>
+            </a:r>
+            <a:r>
+              <a:rPr lang="ko-KR" altLang="en-US" dirty="0"/>
+              <a:t> </a:t>
+            </a:r>
+            <a:r>
+              <a:rPr lang="en-US" altLang="ko-KR" dirty="0"/>
+              <a:t>delay </a:t>
+            </a:r>
+            <a:r>
+              <a:rPr lang="ko-KR" altLang="en-US" dirty="0"/>
+              <a:t>줘서 단어 기준으로 날아갈 수 있게</a:t>
+            </a:r>
+            <a:r>
+              <a:rPr lang="en-US" altLang="ko-KR" dirty="0"/>
+              <a:t>..</a:t>
+            </a:r>
+          </a:p>
+          <a:p>
+            <a:endParaRPr lang="en-US" dirty="0"/>
+          </a:p>
+        </p:txBody>
+      </p:sp>
+      <p:sp>
+        <p:nvSpPr>
+          <p:cNvPr id="4" name="Slide Number Placeholder 3"/>
+          <p:cNvSpPr>
+            <a:spLocks noGrp="1"/>
+          </p:cNvSpPr>
+          <p:nvPr>
+            <p:ph type="sldNum" sz="quarter" idx="5"/>
+          </p:nvPr>
+        </p:nvSpPr>
+        <p:spPr/>
+        <p:txBody>
+          <a:bodyPr/>
+          <a:lstStyle/>
+          <a:p>
+            <a:fld id="{9CCB2FE8-5A4E-411E-98E9-7037462713E5}" type="slidenum">
+              <a:rPr lang="en-US" smtClean="0"/>
+              <a:t>2</a:t>
+            </a:fld>
+            <a:endParaRPr lang="en-US"/>
+          </a:p>
+        </p:txBody>
+      </p:sp>
+    </p:spTree>
+    <p:extLst>
+      <p:ext uri="{BB962C8B-B14F-4D97-AF65-F5344CB8AC3E}">
+        <p14:creationId xmlns:p14="http://schemas.microsoft.com/office/powerpoint/2010/main" val="2238320583"/>
+      </p:ext>
+    </p:extLst>
+  </p:cSld>
+  <p:clrMapOvr>
+    <a:masterClrMapping/>
+  </p:clrMapOvr>
+</p:notes>
+</file>
+
+<file path=ppt/notesSlides/notesSlide2.xml><?xml version="1.0" encoding="utf-8"?>
+<p:notes xmlns:a="http://schemas.openxmlformats.org/drawingml/2006/main" xmlns:r="http://schemas.openxmlformats.org/officeDocument/2006/relationships" xmlns:p="http://schemas.openxmlformats.org/presentationml/2006/main">
+  <p:cSld>
+    <p:spTree>
+      <p:nvGrpSpPr>
+        <p:cNvPr id="1" name=""/>
+        <p:cNvGrpSpPr/>
+        <p:nvPr/>
+      </p:nvGrpSpPr>
+      <p:grpSpPr>
+        <a:xfrm>
+          <a:off x="0" y="0"/>
+          <a:ext cx="0" cy="0"/>
+          <a:chOff x="0" y="0"/>
+          <a:chExt cx="0" cy="0"/>
+        </a:xfrm>
+      </p:grpSpPr>
+      <p:sp>
+        <p:nvSpPr>
+          <p:cNvPr id="2" name="Slide Image Placeholder 1"/>
+          <p:cNvSpPr>
+            <a:spLocks noGrp="1" noRot="1" noChangeAspect="1"/>
+          </p:cNvSpPr>
+          <p:nvPr>
+            <p:ph type="sldImg"/>
+          </p:nvPr>
+        </p:nvSpPr>
+        <p:spPr/>
+      </p:sp>
+      <p:sp>
+        <p:nvSpPr>
+          <p:cNvPr id="3" name="Notes Placeholder 2"/>
+          <p:cNvSpPr>
+            <a:spLocks noGrp="1"/>
+          </p:cNvSpPr>
+          <p:nvPr>
+            <p:ph type="body" idx="1"/>
+          </p:nvPr>
+        </p:nvSpPr>
+        <p:spPr/>
+        <p:txBody>
+          <a:bodyPr/>
+          <a:lstStyle/>
+          <a:p>
+            <a:r>
+              <a:rPr lang="en-US" dirty="0"/>
+              <a:t>Date</a:t>
+            </a:r>
+            <a:r>
+              <a:rPr lang="ko-KR" altLang="en-US" dirty="0"/>
+              <a:t>에 가중치를 </a:t>
+            </a:r>
+            <a:r>
+              <a:rPr lang="ko-KR" altLang="en-US" dirty="0" err="1"/>
+              <a:t>워서</a:t>
+            </a:r>
+            <a:r>
+              <a:rPr lang="ko-KR" altLang="en-US" dirty="0"/>
+              <a:t> 최신 검색된 내용이 우선으로 </a:t>
+            </a:r>
+            <a:r>
+              <a:rPr lang="en-US" altLang="ko-KR" dirty="0"/>
+              <a:t>Suggestion </a:t>
+            </a:r>
+            <a:r>
+              <a:rPr lang="ko-KR" altLang="en-US" dirty="0"/>
+              <a:t>될 수 있게 하고 </a:t>
+            </a:r>
+            <a:r>
+              <a:rPr lang="en-US" altLang="ko-KR" dirty="0"/>
+              <a:t>Region(</a:t>
+            </a:r>
+            <a:r>
+              <a:rPr lang="en-US" altLang="ko-KR" dirty="0" err="1"/>
+              <a:t>idc</a:t>
+            </a:r>
+            <a:r>
+              <a:rPr lang="en-US" altLang="ko-KR" dirty="0"/>
+              <a:t>) </a:t>
+            </a:r>
+            <a:r>
+              <a:rPr lang="ko-KR" altLang="en-US" dirty="0"/>
+              <a:t>별로 </a:t>
+            </a:r>
+            <a:r>
+              <a:rPr lang="en-US" altLang="ko-KR" dirty="0" err="1"/>
+              <a:t>Trie</a:t>
+            </a:r>
+            <a:r>
+              <a:rPr lang="en-US" altLang="ko-KR" dirty="0"/>
+              <a:t> </a:t>
+            </a:r>
+            <a:r>
+              <a:rPr lang="ko-KR" altLang="en-US"/>
+              <a:t>데이터 분리</a:t>
+            </a:r>
+            <a:endParaRPr lang="en-US"/>
+          </a:p>
+        </p:txBody>
+      </p:sp>
+      <p:sp>
+        <p:nvSpPr>
+          <p:cNvPr id="4" name="Slide Number Placeholder 3"/>
+          <p:cNvSpPr>
+            <a:spLocks noGrp="1"/>
+          </p:cNvSpPr>
+          <p:nvPr>
+            <p:ph type="sldNum" sz="quarter" idx="5"/>
+          </p:nvPr>
+        </p:nvSpPr>
+        <p:spPr/>
+        <p:txBody>
+          <a:bodyPr/>
+          <a:lstStyle/>
+          <a:p>
+            <a:fld id="{9CCB2FE8-5A4E-411E-98E9-7037462713E5}" type="slidenum">
+              <a:rPr lang="en-US" smtClean="0"/>
+              <a:t>4</a:t>
+            </a:fld>
+            <a:endParaRPr lang="en-US"/>
+          </a:p>
+        </p:txBody>
+      </p:sp>
+    </p:spTree>
+    <p:extLst>
+      <p:ext uri="{BB962C8B-B14F-4D97-AF65-F5344CB8AC3E}">
+        <p14:creationId xmlns:p14="http://schemas.microsoft.com/office/powerpoint/2010/main" val="3607264147"/>
+      </p:ext>
+    </p:extLst>
+  </p:cSld>
+  <p:clrMapOvr>
+    <a:masterClrMapping/>
+  </p:clrMapOvr>
+</p:notes>
 </file>
 
 <file path=ppt/slideLayouts/slideLayout1.xml><?xml version="1.0" encoding="utf-8"?>
@@ -4684,7 +5302,7 @@
           <p:nvPr/>
         </p:nvPicPr>
         <p:blipFill>
-          <a:blip r:embed="rId2">
+          <a:blip r:embed="rId3">
             <a:extLst>
               <a:ext uri="{28A0092B-C50C-407E-A947-70E740481C1C}">
                 <a14:useLocalDpi xmlns:a14="http://schemas.microsoft.com/office/drawing/2010/main" val="0"/>
@@ -4792,7 +5410,7 @@
           <p:nvPr/>
         </p:nvPicPr>
         <p:blipFill>
-          <a:blip r:embed="rId3">
+          <a:blip r:embed="rId4">
             <a:extLst>
               <a:ext uri="{28A0092B-C50C-407E-A947-70E740481C1C}">
                 <a14:useLocalDpi xmlns:a14="http://schemas.microsoft.com/office/drawing/2010/main" val="0"/>
@@ -4936,7 +5554,7 @@
           <p:nvPr/>
         </p:nvPicPr>
         <p:blipFill>
-          <a:blip r:embed="rId4">
+          <a:blip r:embed="rId5">
             <a:extLst>
               <a:ext uri="{28A0092B-C50C-407E-A947-70E740481C1C}">
                 <a14:useLocalDpi xmlns:a14="http://schemas.microsoft.com/office/drawing/2010/main" val="0"/>
@@ -4983,7 +5601,7 @@
           <p:nvPr/>
         </p:nvPicPr>
         <p:blipFill>
-          <a:blip r:embed="rId4">
+          <a:blip r:embed="rId5">
             <a:extLst>
               <a:ext uri="{28A0092B-C50C-407E-A947-70E740481C1C}">
                 <a14:useLocalDpi xmlns:a14="http://schemas.microsoft.com/office/drawing/2010/main" val="0"/>
@@ -5030,7 +5648,7 @@
           <p:nvPr/>
         </p:nvPicPr>
         <p:blipFill>
-          <a:blip r:embed="rId4">
+          <a:blip r:embed="rId5">
             <a:extLst>
               <a:ext uri="{28A0092B-C50C-407E-A947-70E740481C1C}">
                 <a14:useLocalDpi xmlns:a14="http://schemas.microsoft.com/office/drawing/2010/main" val="0"/>
@@ -5121,7 +5739,7 @@
           <p:nvPr/>
         </p:nvPicPr>
         <p:blipFill>
-          <a:blip r:embed="rId5">
+          <a:blip r:embed="rId6">
             <a:extLst>
               <a:ext uri="{28A0092B-C50C-407E-A947-70E740481C1C}">
                 <a14:useLocalDpi xmlns:a14="http://schemas.microsoft.com/office/drawing/2010/main" val="0"/>
@@ -5195,6 +5813,114 @@
             <a:extLst>
               <a:ext uri="{FF2B5EF4-FFF2-40B4-BE49-F238E27FC236}">
                 <a16:creationId xmlns:a16="http://schemas.microsoft.com/office/drawing/2014/main" id="{FBFAFC54-5E26-4FF6-B3C9-9EE9B74CBF0E}"/>
+              </a:ext>
+            </a:extLst>
+          </p:cNvPr>
+          <p:cNvPicPr>
+            <a:picLocks noChangeAspect="1"/>
+          </p:cNvPicPr>
+          <p:nvPr/>
+        </p:nvPicPr>
+        <p:blipFill>
+          <a:blip r:embed="rId7">
+            <a:extLst>
+              <a:ext uri="{28A0092B-C50C-407E-A947-70E740481C1C}">
+                <a14:useLocalDpi xmlns:a14="http://schemas.microsoft.com/office/drawing/2010/main" val="0"/>
+              </a:ext>
+            </a:extLst>
+          </a:blip>
+          <a:stretch>
+            <a:fillRect/>
+          </a:stretch>
+        </p:blipFill>
+        <p:spPr>
+          <a:xfrm>
+            <a:off x="1975893" y="2046705"/>
+            <a:ext cx="345604" cy="345604"/>
+          </a:xfrm>
+          <a:prstGeom prst="rect">
+            <a:avLst/>
+          </a:prstGeom>
+        </p:spPr>
+      </p:pic>
+      <p:pic>
+        <p:nvPicPr>
+          <p:cNvPr id="58" name="Picture 57">
+            <a:extLst>
+              <a:ext uri="{FF2B5EF4-FFF2-40B4-BE49-F238E27FC236}">
+                <a16:creationId xmlns:a16="http://schemas.microsoft.com/office/drawing/2014/main" id="{F567948C-CBF3-4442-97D7-C973B0D9681B}"/>
+              </a:ext>
+            </a:extLst>
+          </p:cNvPr>
+          <p:cNvPicPr>
+            <a:picLocks noChangeAspect="1"/>
+          </p:cNvPicPr>
+          <p:nvPr/>
+        </p:nvPicPr>
+        <p:blipFill>
+          <a:blip r:embed="rId8">
+            <a:extLst>
+              <a:ext uri="{28A0092B-C50C-407E-A947-70E740481C1C}">
+                <a14:useLocalDpi xmlns:a14="http://schemas.microsoft.com/office/drawing/2010/main" val="0"/>
+              </a:ext>
+            </a:extLst>
+          </a:blip>
+          <a:stretch>
+            <a:fillRect/>
+          </a:stretch>
+        </p:blipFill>
+        <p:spPr>
+          <a:xfrm>
+            <a:off x="1615987" y="2057252"/>
+            <a:ext cx="324510" cy="324510"/>
+          </a:xfrm>
+          <a:prstGeom prst="rect">
+            <a:avLst/>
+          </a:prstGeom>
+        </p:spPr>
+      </p:pic>
+      <p:pic>
+        <p:nvPicPr>
+          <p:cNvPr id="59" name="Picture 58">
+            <a:extLst>
+              <a:ext uri="{FF2B5EF4-FFF2-40B4-BE49-F238E27FC236}">
+                <a16:creationId xmlns:a16="http://schemas.microsoft.com/office/drawing/2014/main" id="{B5604922-DCAC-4566-BD1D-E27559B2D651}"/>
+              </a:ext>
+            </a:extLst>
+          </p:cNvPr>
+          <p:cNvPicPr>
+            <a:picLocks noChangeAspect="1"/>
+          </p:cNvPicPr>
+          <p:nvPr/>
+        </p:nvPicPr>
+        <p:blipFill>
+          <a:blip r:embed="rId9">
+            <a:extLst>
+              <a:ext uri="{28A0092B-C50C-407E-A947-70E740481C1C}">
+                <a14:useLocalDpi xmlns:a14="http://schemas.microsoft.com/office/drawing/2010/main" val="0"/>
+              </a:ext>
+            </a:extLst>
+          </a:blip>
+          <a:stretch>
+            <a:fillRect/>
+          </a:stretch>
+        </p:blipFill>
+        <p:spPr>
+          <a:xfrm>
+            <a:off x="1157385" y="1995104"/>
+            <a:ext cx="405638" cy="405638"/>
+          </a:xfrm>
+          <a:prstGeom prst="rect">
+            <a:avLst/>
+          </a:prstGeom>
+        </p:spPr>
+      </p:pic>
+      <p:pic>
+        <p:nvPicPr>
+          <p:cNvPr id="60" name="Picture 59">
+            <a:extLst>
+              <a:ext uri="{FF2B5EF4-FFF2-40B4-BE49-F238E27FC236}">
+                <a16:creationId xmlns:a16="http://schemas.microsoft.com/office/drawing/2014/main" id="{10810444-15B7-40BC-B329-389B653C4175}"/>
               </a:ext>
             </a:extLst>
           </p:cNvPr>
@@ -5217,8 +5943,8 @@
         </p:blipFill>
         <p:spPr>
           <a:xfrm>
-            <a:off x="1975893" y="2046705"/>
-            <a:ext cx="345604" cy="345604"/>
+            <a:off x="3973204" y="3784676"/>
+            <a:ext cx="380998" cy="380998"/>
           </a:xfrm>
           <a:prstGeom prst="rect">
             <a:avLst/>
@@ -5227,10 +5953,10 @@
       </p:pic>
       <p:pic>
         <p:nvPicPr>
-          <p:cNvPr id="58" name="Picture 57">
-            <a:extLst>
-              <a:ext uri="{FF2B5EF4-FFF2-40B4-BE49-F238E27FC236}">
-                <a16:creationId xmlns:a16="http://schemas.microsoft.com/office/drawing/2014/main" id="{F567948C-CBF3-4442-97D7-C973B0D9681B}"/>
+          <p:cNvPr id="61" name="Picture 60">
+            <a:extLst>
+              <a:ext uri="{FF2B5EF4-FFF2-40B4-BE49-F238E27FC236}">
+                <a16:creationId xmlns:a16="http://schemas.microsoft.com/office/drawing/2014/main" id="{99E893C9-4156-465F-8970-9C45C54071E4}"/>
               </a:ext>
             </a:extLst>
           </p:cNvPr>
@@ -5240,7 +5966,7 @@
           <p:nvPr/>
         </p:nvPicPr>
         <p:blipFill>
-          <a:blip r:embed="rId7">
+          <a:blip r:embed="rId6">
             <a:extLst>
               <a:ext uri="{28A0092B-C50C-407E-A947-70E740481C1C}">
                 <a14:useLocalDpi xmlns:a14="http://schemas.microsoft.com/office/drawing/2010/main" val="0"/>
@@ -5253,8 +5979,8 @@
         </p:blipFill>
         <p:spPr>
           <a:xfrm>
-            <a:off x="1615987" y="2057252"/>
-            <a:ext cx="324510" cy="324510"/>
+            <a:off x="4235659" y="3785581"/>
+            <a:ext cx="380998" cy="380998"/>
           </a:xfrm>
           <a:prstGeom prst="rect">
             <a:avLst/>
@@ -5263,10 +5989,10 @@
       </p:pic>
       <p:pic>
         <p:nvPicPr>
-          <p:cNvPr id="59" name="Picture 58">
-            <a:extLst>
-              <a:ext uri="{FF2B5EF4-FFF2-40B4-BE49-F238E27FC236}">
-                <a16:creationId xmlns:a16="http://schemas.microsoft.com/office/drawing/2014/main" id="{B5604922-DCAC-4566-BD1D-E27559B2D651}"/>
+          <p:cNvPr id="62" name="Picture 61">
+            <a:extLst>
+              <a:ext uri="{FF2B5EF4-FFF2-40B4-BE49-F238E27FC236}">
+                <a16:creationId xmlns:a16="http://schemas.microsoft.com/office/drawing/2014/main" id="{765441AD-114A-4CD7-B540-3BB32C94B2F0}"/>
               </a:ext>
             </a:extLst>
           </p:cNvPr>
@@ -5276,7 +6002,7 @@
           <p:nvPr/>
         </p:nvPicPr>
         <p:blipFill>
-          <a:blip r:embed="rId8">
+          <a:blip r:embed="rId6">
             <a:extLst>
               <a:ext uri="{28A0092B-C50C-407E-A947-70E740481C1C}">
                 <a14:useLocalDpi xmlns:a14="http://schemas.microsoft.com/office/drawing/2010/main" val="0"/>
@@ -5289,8 +6015,8 @@
         </p:blipFill>
         <p:spPr>
           <a:xfrm>
-            <a:off x="1157385" y="1995104"/>
-            <a:ext cx="405638" cy="405638"/>
+            <a:off x="3975626" y="4165678"/>
+            <a:ext cx="380998" cy="380998"/>
           </a:xfrm>
           <a:prstGeom prst="rect">
             <a:avLst/>
@@ -5299,10 +6025,10 @@
       </p:pic>
       <p:pic>
         <p:nvPicPr>
-          <p:cNvPr id="60" name="Picture 59">
-            <a:extLst>
-              <a:ext uri="{FF2B5EF4-FFF2-40B4-BE49-F238E27FC236}">
-                <a16:creationId xmlns:a16="http://schemas.microsoft.com/office/drawing/2014/main" id="{10810444-15B7-40BC-B329-389B653C4175}"/>
+          <p:cNvPr id="63" name="Picture 62">
+            <a:extLst>
+              <a:ext uri="{FF2B5EF4-FFF2-40B4-BE49-F238E27FC236}">
+                <a16:creationId xmlns:a16="http://schemas.microsoft.com/office/drawing/2014/main" id="{1A70A135-B686-4E8B-9960-CC8DAFDD7304}"/>
               </a:ext>
             </a:extLst>
           </p:cNvPr>
@@ -5312,115 +6038,7 @@
           <p:nvPr/>
         </p:nvPicPr>
         <p:blipFill>
-          <a:blip r:embed="rId5">
-            <a:extLst>
-              <a:ext uri="{28A0092B-C50C-407E-A947-70E740481C1C}">
-                <a14:useLocalDpi xmlns:a14="http://schemas.microsoft.com/office/drawing/2010/main" val="0"/>
-              </a:ext>
-            </a:extLst>
-          </a:blip>
-          <a:stretch>
-            <a:fillRect/>
-          </a:stretch>
-        </p:blipFill>
-        <p:spPr>
-          <a:xfrm>
-            <a:off x="3973204" y="3784676"/>
-            <a:ext cx="380998" cy="380998"/>
-          </a:xfrm>
-          <a:prstGeom prst="rect">
-            <a:avLst/>
-          </a:prstGeom>
-        </p:spPr>
-      </p:pic>
-      <p:pic>
-        <p:nvPicPr>
-          <p:cNvPr id="61" name="Picture 60">
-            <a:extLst>
-              <a:ext uri="{FF2B5EF4-FFF2-40B4-BE49-F238E27FC236}">
-                <a16:creationId xmlns:a16="http://schemas.microsoft.com/office/drawing/2014/main" id="{99E893C9-4156-465F-8970-9C45C54071E4}"/>
-              </a:ext>
-            </a:extLst>
-          </p:cNvPr>
-          <p:cNvPicPr>
-            <a:picLocks noChangeAspect="1"/>
-          </p:cNvPicPr>
-          <p:nvPr/>
-        </p:nvPicPr>
-        <p:blipFill>
-          <a:blip r:embed="rId5">
-            <a:extLst>
-              <a:ext uri="{28A0092B-C50C-407E-A947-70E740481C1C}">
-                <a14:useLocalDpi xmlns:a14="http://schemas.microsoft.com/office/drawing/2010/main" val="0"/>
-              </a:ext>
-            </a:extLst>
-          </a:blip>
-          <a:stretch>
-            <a:fillRect/>
-          </a:stretch>
-        </p:blipFill>
-        <p:spPr>
-          <a:xfrm>
-            <a:off x="4235659" y="3785581"/>
-            <a:ext cx="380998" cy="380998"/>
-          </a:xfrm>
-          <a:prstGeom prst="rect">
-            <a:avLst/>
-          </a:prstGeom>
-        </p:spPr>
-      </p:pic>
-      <p:pic>
-        <p:nvPicPr>
-          <p:cNvPr id="62" name="Picture 61">
-            <a:extLst>
-              <a:ext uri="{FF2B5EF4-FFF2-40B4-BE49-F238E27FC236}">
-                <a16:creationId xmlns:a16="http://schemas.microsoft.com/office/drawing/2014/main" id="{765441AD-114A-4CD7-B540-3BB32C94B2F0}"/>
-              </a:ext>
-            </a:extLst>
-          </p:cNvPr>
-          <p:cNvPicPr>
-            <a:picLocks noChangeAspect="1"/>
-          </p:cNvPicPr>
-          <p:nvPr/>
-        </p:nvPicPr>
-        <p:blipFill>
-          <a:blip r:embed="rId5">
-            <a:extLst>
-              <a:ext uri="{28A0092B-C50C-407E-A947-70E740481C1C}">
-                <a14:useLocalDpi xmlns:a14="http://schemas.microsoft.com/office/drawing/2010/main" val="0"/>
-              </a:ext>
-            </a:extLst>
-          </a:blip>
-          <a:stretch>
-            <a:fillRect/>
-          </a:stretch>
-        </p:blipFill>
-        <p:spPr>
-          <a:xfrm>
-            <a:off x="3975626" y="4165678"/>
-            <a:ext cx="380998" cy="380998"/>
-          </a:xfrm>
-          <a:prstGeom prst="rect">
-            <a:avLst/>
-          </a:prstGeom>
-        </p:spPr>
-      </p:pic>
-      <p:pic>
-        <p:nvPicPr>
-          <p:cNvPr id="63" name="Picture 62">
-            <a:extLst>
-              <a:ext uri="{FF2B5EF4-FFF2-40B4-BE49-F238E27FC236}">
-                <a16:creationId xmlns:a16="http://schemas.microsoft.com/office/drawing/2014/main" id="{1A70A135-B686-4E8B-9960-CC8DAFDD7304}"/>
-              </a:ext>
-            </a:extLst>
-          </p:cNvPr>
-          <p:cNvPicPr>
-            <a:picLocks noChangeAspect="1"/>
-          </p:cNvPicPr>
-          <p:nvPr/>
-        </p:nvPicPr>
-        <p:blipFill>
-          <a:blip r:embed="rId5">
+          <a:blip r:embed="rId6">
             <a:extLst>
               <a:ext uri="{28A0092B-C50C-407E-A947-70E740481C1C}">
                 <a14:useLocalDpi xmlns:a14="http://schemas.microsoft.com/office/drawing/2010/main" val="0"/>
@@ -5570,7 +6188,7 @@
           <p:nvPr/>
         </p:nvPicPr>
         <p:blipFill>
-          <a:blip r:embed="rId2">
+          <a:blip r:embed="rId3">
             <a:extLst>
               <a:ext uri="{28A0092B-C50C-407E-A947-70E740481C1C}">
                 <a14:useLocalDpi xmlns:a14="http://schemas.microsoft.com/office/drawing/2010/main" val="0"/>
@@ -5770,7 +6388,7 @@
           <p:nvPr/>
         </p:nvPicPr>
         <p:blipFill>
-          <a:blip r:embed="rId9">
+          <a:blip r:embed="rId10">
             <a:extLst>
               <a:ext uri="{28A0092B-C50C-407E-A947-70E740481C1C}">
                 <a14:useLocalDpi xmlns:a14="http://schemas.microsoft.com/office/drawing/2010/main" val="0"/>
@@ -5858,7 +6476,7 @@
           <p:nvPr/>
         </p:nvPicPr>
         <p:blipFill>
-          <a:blip r:embed="rId2">
+          <a:blip r:embed="rId3">
             <a:extLst>
               <a:ext uri="{28A0092B-C50C-407E-A947-70E740481C1C}">
                 <a14:useLocalDpi xmlns:a14="http://schemas.microsoft.com/office/drawing/2010/main" val="0"/>
@@ -5894,7 +6512,7 @@
           <p:nvPr/>
         </p:nvPicPr>
         <p:blipFill>
-          <a:blip r:embed="rId2">
+          <a:blip r:embed="rId3">
             <a:extLst>
               <a:ext uri="{28A0092B-C50C-407E-A947-70E740481C1C}">
                 <a14:useLocalDpi xmlns:a14="http://schemas.microsoft.com/office/drawing/2010/main" val="0"/>
@@ -5930,7 +6548,7 @@
           <p:nvPr/>
         </p:nvPicPr>
         <p:blipFill>
-          <a:blip r:embed="rId2">
+          <a:blip r:embed="rId3">
             <a:extLst>
               <a:ext uri="{28A0092B-C50C-407E-A947-70E740481C1C}">
                 <a14:useLocalDpi xmlns:a14="http://schemas.microsoft.com/office/drawing/2010/main" val="0"/>
@@ -5966,7 +6584,7 @@
           <p:nvPr/>
         </p:nvPicPr>
         <p:blipFill>
-          <a:blip r:embed="rId2">
+          <a:blip r:embed="rId3">
             <a:extLst>
               <a:ext uri="{28A0092B-C50C-407E-A947-70E740481C1C}">
                 <a14:useLocalDpi xmlns:a14="http://schemas.microsoft.com/office/drawing/2010/main" val="0"/>
@@ -6002,7 +6620,7 @@
           <p:nvPr/>
         </p:nvPicPr>
         <p:blipFill>
-          <a:blip r:embed="rId2">
+          <a:blip r:embed="rId3">
             <a:extLst>
               <a:ext uri="{28A0092B-C50C-407E-A947-70E740481C1C}">
                 <a14:useLocalDpi xmlns:a14="http://schemas.microsoft.com/office/drawing/2010/main" val="0"/>
@@ -6038,7 +6656,7 @@
           <p:nvPr/>
         </p:nvPicPr>
         <p:blipFill>
-          <a:blip r:embed="rId2">
+          <a:blip r:embed="rId3">
             <a:extLst>
               <a:ext uri="{28A0092B-C50C-407E-A947-70E740481C1C}">
                 <a14:useLocalDpi xmlns:a14="http://schemas.microsoft.com/office/drawing/2010/main" val="0"/>
@@ -6074,7 +6692,7 @@
           <p:nvPr/>
         </p:nvPicPr>
         <p:blipFill>
-          <a:blip r:embed="rId2">
+          <a:blip r:embed="rId3">
             <a:extLst>
               <a:ext uri="{28A0092B-C50C-407E-A947-70E740481C1C}">
                 <a14:useLocalDpi xmlns:a14="http://schemas.microsoft.com/office/drawing/2010/main" val="0"/>
@@ -6110,7 +6728,7 @@
           <p:nvPr/>
         </p:nvPicPr>
         <p:blipFill>
-          <a:blip r:embed="rId2">
+          <a:blip r:embed="rId3">
             <a:extLst>
               <a:ext uri="{28A0092B-C50C-407E-A947-70E740481C1C}">
                 <a14:useLocalDpi xmlns:a14="http://schemas.microsoft.com/office/drawing/2010/main" val="0"/>
@@ -6146,7 +6764,7 @@
           <p:nvPr/>
         </p:nvPicPr>
         <p:blipFill>
-          <a:blip r:embed="rId2">
+          <a:blip r:embed="rId3">
             <a:extLst>
               <a:ext uri="{28A0092B-C50C-407E-A947-70E740481C1C}">
                 <a14:useLocalDpi xmlns:a14="http://schemas.microsoft.com/office/drawing/2010/main" val="0"/>
@@ -6182,7 +6800,7 @@
           <p:nvPr/>
         </p:nvPicPr>
         <p:blipFill>
-          <a:blip r:embed="rId2">
+          <a:blip r:embed="rId3">
             <a:extLst>
               <a:ext uri="{28A0092B-C50C-407E-A947-70E740481C1C}">
                 <a14:useLocalDpi xmlns:a14="http://schemas.microsoft.com/office/drawing/2010/main" val="0"/>
@@ -6218,7 +6836,7 @@
           <p:nvPr/>
         </p:nvPicPr>
         <p:blipFill>
-          <a:blip r:embed="rId2">
+          <a:blip r:embed="rId3">
             <a:extLst>
               <a:ext uri="{28A0092B-C50C-407E-A947-70E740481C1C}">
                 <a14:useLocalDpi xmlns:a14="http://schemas.microsoft.com/office/drawing/2010/main" val="0"/>
@@ -6942,4 +7560,299 @@
     </a:ext>
   </a:extLst>
 </a:theme>
+</file>
+
+<file path=ppt/theme/theme2.xml><?xml version="1.0" encoding="utf-8"?>
+<a:theme xmlns:a="http://schemas.openxmlformats.org/drawingml/2006/main" name="Office Theme">
+  <a:themeElements>
+    <a:clrScheme name="Office">
+      <a:dk1>
+        <a:sysClr val="windowText" lastClr="000000"/>
+      </a:dk1>
+      <a:lt1>
+        <a:sysClr val="window" lastClr="FFFFFF"/>
+      </a:lt1>
+      <a:dk2>
+        <a:srgbClr val="44546A"/>
+      </a:dk2>
+      <a:lt2>
+        <a:srgbClr val="E7E6E6"/>
+      </a:lt2>
+      <a:accent1>
+        <a:srgbClr val="4472C4"/>
+      </a:accent1>
+      <a:accent2>
+        <a:srgbClr val="ED7D31"/>
+      </a:accent2>
+      <a:accent3>
+        <a:srgbClr val="A5A5A5"/>
+      </a:accent3>
+      <a:accent4>
+        <a:srgbClr val="FFC000"/>
+      </a:accent4>
+      <a:accent5>
+        <a:srgbClr val="5B9BD5"/>
+      </a:accent5>
+      <a:accent6>
+        <a:srgbClr val="70AD47"/>
+      </a:accent6>
+      <a:hlink>
+        <a:srgbClr val="0563C1"/>
+      </a:hlink>
+      <a:folHlink>
+        <a:srgbClr val="954F72"/>
+      </a:folHlink>
+    </a:clrScheme>
+    <a:fontScheme name="Office">
+      <a:majorFont>
+        <a:latin typeface="Calibri Light" panose="020F0302020204030204"/>
+        <a:ea typeface=""/>
+        <a:cs typeface=""/>
+        <a:font script="Jpan" typeface="游ゴシック Light"/>
+        <a:font script="Hang" typeface="맑은 고딕"/>
+        <a:font script="Hans" typeface="等线 Light"/>
+        <a:font script="Hant" typeface="新細明體"/>
+        <a:font script="Arab" typeface="Times New Roman"/>
+        <a:font script="Hebr" typeface="Times New Roman"/>
+        <a:font script="Thai" typeface="Angsana New"/>
+        <a:font script="Ethi" typeface="Nyala"/>
+        <a:font script="Beng" typeface="Vrinda"/>
+        <a:font script="Gujr" typeface="Shruti"/>
+        <a:font script="Khmr" typeface="MoolBoran"/>
+        <a:font script="Knda" typeface="Tunga"/>
+        <a:font script="Guru" typeface="Raavi"/>
+        <a:font script="Cans" typeface="Euphemia"/>
+        <a:font script="Cher" typeface="Plantagenet Cherokee"/>
+        <a:font script="Yiii" typeface="Microsoft Yi Baiti"/>
+        <a:font script="Tibt" typeface="Microsoft Himalaya"/>
+        <a:font script="Thaa" typeface="MV Boli"/>
+        <a:font script="Deva" typeface="Mangal"/>
+        <a:font script="Telu" typeface="Gautami"/>
+        <a:font script="Taml" typeface="Latha"/>
+        <a:font script="Syrc" typeface="Estrangelo Edessa"/>
+        <a:font script="Orya" typeface="Kalinga"/>
+        <a:font script="Mlym" typeface="Kartika"/>
+        <a:font script="Laoo" typeface="DokChampa"/>
+        <a:font script="Sinh" typeface="Iskoola Pota"/>
+        <a:font script="Mong" typeface="Mongolian Baiti"/>
+        <a:font script="Viet" typeface="Times New Roman"/>
+        <a:font script="Uigh" typeface="Microsoft Uighur"/>
+        <a:font script="Geor" typeface="Sylfaen"/>
+        <a:font script="Armn" typeface="Arial"/>
+        <a:font script="Bugi" typeface="Leelawadee UI"/>
+        <a:font script="Bopo" typeface="Microsoft JhengHei"/>
+        <a:font script="Java" typeface="Javanese Text"/>
+        <a:font script="Lisu" typeface="Segoe UI"/>
+        <a:font script="Mymr" typeface="Myanmar Text"/>
+        <a:font script="Nkoo" typeface="Ebrima"/>
+        <a:font script="Olck" typeface="Nirmala UI"/>
+        <a:font script="Osma" typeface="Ebrima"/>
+        <a:font script="Phag" typeface="Phagspa"/>
+        <a:font script="Syrn" typeface="Estrangelo Edessa"/>
+        <a:font script="Syrj" typeface="Estrangelo Edessa"/>
+        <a:font script="Syre" typeface="Estrangelo Edessa"/>
+        <a:font script="Sora" typeface="Nirmala UI"/>
+        <a:font script="Tale" typeface="Microsoft Tai Le"/>
+        <a:font script="Talu" typeface="Microsoft New Tai Lue"/>
+        <a:font script="Tfng" typeface="Ebrima"/>
+      </a:majorFont>
+      <a:minorFont>
+        <a:latin typeface="Calibri" panose="020F0502020204030204"/>
+        <a:ea typeface=""/>
+        <a:cs typeface=""/>
+        <a:font script="Jpan" typeface="游ゴシック"/>
+        <a:font script="Hang" typeface="맑은 고딕"/>
+        <a:font script="Hans" typeface="等线"/>
+        <a:font script="Hant" typeface="新細明體"/>
+        <a:font script="Arab" typeface="Arial"/>
+        <a:font script="Hebr" typeface="Arial"/>
+        <a:font script="Thai" typeface="Cordia New"/>
+        <a:font script="Ethi" typeface="Nyala"/>
+        <a:font script="Beng" typeface="Vrinda"/>
+        <a:font script="Gujr" typeface="Shruti"/>
+        <a:font script="Khmr" typeface="DaunPenh"/>
+        <a:font script="Knda" typeface="Tunga"/>
+        <a:font script="Guru" typeface="Raavi"/>
+        <a:font script="Cans" typeface="Euphemia"/>
+        <a:font script="Cher" typeface="Plantagenet Cherokee"/>
+        <a:font script="Yiii" typeface="Microsoft Yi Baiti"/>
+        <a:font script="Tibt" typeface="Microsoft Himalaya"/>
+        <a:font script="Thaa" typeface="MV Boli"/>
+        <a:font script="Deva" typeface="Mangal"/>
+        <a:font script="Telu" typeface="Gautami"/>
+        <a:font script="Taml" typeface="Latha"/>
+        <a:font script="Syrc" typeface="Estrangelo Edessa"/>
+        <a:font script="Orya" typeface="Kalinga"/>
+        <a:font script="Mlym" typeface="Kartika"/>
+        <a:font script="Laoo" typeface="DokChampa"/>
+        <a:font script="Sinh" typeface="Iskoola Pota"/>
+        <a:font script="Mong" typeface="Mongolian Baiti"/>
+        <a:font script="Viet" typeface="Arial"/>
+        <a:font script="Uigh" typeface="Microsoft Uighur"/>
+        <a:font script="Geor" typeface="Sylfaen"/>
+        <a:font script="Armn" typeface="Arial"/>
+        <a:font script="Bugi" typeface="Leelawadee UI"/>
+        <a:font script="Bopo" typeface="Microsoft JhengHei"/>
+        <a:font script="Java" typeface="Javanese Text"/>
+        <a:font script="Lisu" typeface="Segoe UI"/>
+        <a:font script="Mymr" typeface="Myanmar Text"/>
+        <a:font script="Nkoo" typeface="Ebrima"/>
+        <a:font script="Olck" typeface="Nirmala UI"/>
+        <a:font script="Osma" typeface="Ebrima"/>
+        <a:font script="Phag" typeface="Phagspa"/>
+        <a:font script="Syrn" typeface="Estrangelo Edessa"/>
+        <a:font script="Syrj" typeface="Estrangelo Edessa"/>
+        <a:font script="Syre" typeface="Estrangelo Edessa"/>
+        <a:font script="Sora" typeface="Nirmala UI"/>
+        <a:font script="Tale" typeface="Microsoft Tai Le"/>
+        <a:font script="Talu" typeface="Microsoft New Tai Lue"/>
+        <a:font script="Tfng" typeface="Ebrima"/>
+      </a:minorFont>
+    </a:fontScheme>
+    <a:fmtScheme name="Office">
+      <a:fillStyleLst>
+        <a:solidFill>
+          <a:schemeClr val="phClr"/>
+        </a:solidFill>
+        <a:gradFill rotWithShape="1">
+          <a:gsLst>
+            <a:gs pos="0">
+              <a:schemeClr val="phClr">
+                <a:lumMod val="110000"/>
+                <a:satMod val="105000"/>
+                <a:tint val="67000"/>
+              </a:schemeClr>
+            </a:gs>
+            <a:gs pos="50000">
+              <a:schemeClr val="phClr">
+                <a:lumMod val="105000"/>
+                <a:satMod val="103000"/>
+                <a:tint val="73000"/>
+              </a:schemeClr>
+            </a:gs>
+            <a:gs pos="100000">
+              <a:schemeClr val="phClr">
+                <a:lumMod val="105000"/>
+                <a:satMod val="109000"/>
+                <a:tint val="81000"/>
+              </a:schemeClr>
+            </a:gs>
+          </a:gsLst>
+          <a:lin ang="5400000" scaled="0"/>
+        </a:gradFill>
+        <a:gradFill rotWithShape="1">
+          <a:gsLst>
+            <a:gs pos="0">
+              <a:schemeClr val="phClr">
+                <a:satMod val="103000"/>
+                <a:lumMod val="102000"/>
+                <a:tint val="94000"/>
+              </a:schemeClr>
+            </a:gs>
+            <a:gs pos="50000">
+              <a:schemeClr val="phClr">
+                <a:satMod val="110000"/>
+                <a:lumMod val="100000"/>
+                <a:shade val="100000"/>
+              </a:schemeClr>
+            </a:gs>
+            <a:gs pos="100000">
+              <a:schemeClr val="phClr">
+                <a:lumMod val="99000"/>
+                <a:satMod val="120000"/>
+                <a:shade val="78000"/>
+              </a:schemeClr>
+            </a:gs>
+          </a:gsLst>
+          <a:lin ang="5400000" scaled="0"/>
+        </a:gradFill>
+      </a:fillStyleLst>
+      <a:lnStyleLst>
+        <a:ln w="6350" cap="flat" cmpd="sng" algn="ctr">
+          <a:solidFill>
+            <a:schemeClr val="phClr"/>
+          </a:solidFill>
+          <a:prstDash val="solid"/>
+          <a:miter lim="800000"/>
+        </a:ln>
+        <a:ln w="12700" cap="flat" cmpd="sng" algn="ctr">
+          <a:solidFill>
+            <a:schemeClr val="phClr"/>
+          </a:solidFill>
+          <a:prstDash val="solid"/>
+          <a:miter lim="800000"/>
+        </a:ln>
+        <a:ln w="19050" cap="flat" cmpd="sng" algn="ctr">
+          <a:solidFill>
+            <a:schemeClr val="phClr"/>
+          </a:solidFill>
+          <a:prstDash val="solid"/>
+          <a:miter lim="800000"/>
+        </a:ln>
+      </a:lnStyleLst>
+      <a:effectStyleLst>
+        <a:effectStyle>
+          <a:effectLst/>
+        </a:effectStyle>
+        <a:effectStyle>
+          <a:effectLst/>
+        </a:effectStyle>
+        <a:effectStyle>
+          <a:effectLst>
+            <a:outerShdw blurRad="57150" dist="19050" dir="5400000" algn="ctr" rotWithShape="0">
+              <a:srgbClr val="000000">
+                <a:alpha val="63000"/>
+              </a:srgbClr>
+            </a:outerShdw>
+          </a:effectLst>
+        </a:effectStyle>
+      </a:effectStyleLst>
+      <a:bgFillStyleLst>
+        <a:solidFill>
+          <a:schemeClr val="phClr"/>
+        </a:solidFill>
+        <a:solidFill>
+          <a:schemeClr val="phClr">
+            <a:tint val="95000"/>
+            <a:satMod val="170000"/>
+          </a:schemeClr>
+        </a:solidFill>
+        <a:gradFill rotWithShape="1">
+          <a:gsLst>
+            <a:gs pos="0">
+              <a:schemeClr val="phClr">
+                <a:tint val="93000"/>
+                <a:satMod val="150000"/>
+                <a:shade val="98000"/>
+                <a:lumMod val="102000"/>
+              </a:schemeClr>
+            </a:gs>
+            <a:gs pos="50000">
+              <a:schemeClr val="phClr">
+                <a:tint val="98000"/>
+                <a:satMod val="130000"/>
+                <a:shade val="90000"/>
+                <a:lumMod val="103000"/>
+              </a:schemeClr>
+            </a:gs>
+            <a:gs pos="100000">
+              <a:schemeClr val="phClr">
+                <a:shade val="63000"/>
+                <a:satMod val="120000"/>
+              </a:schemeClr>
+            </a:gs>
+          </a:gsLst>
+          <a:lin ang="5400000" scaled="0"/>
+        </a:gradFill>
+      </a:bgFillStyleLst>
+    </a:fmtScheme>
+  </a:themeElements>
+  <a:objectDefaults/>
+  <a:extraClrSchemeLst/>
+  <a:extLst>
+    <a:ext uri="{05A4C25C-085E-4340-85A3-A5531E510DB2}">
+      <thm15:themeFamily xmlns:thm15="http://schemas.microsoft.com/office/thememl/2012/main" name="Office Theme" id="{62F939B6-93AF-4DB8-9C6B-D6C7DFDC589F}" vid="{4A3C46E8-61CC-4603-A589-7422A47A8E4A}"/>
+    </a:ext>
+  </a:extLst>
+</a:theme>
 </file>
--- a/KeywordSuggestion.pptx
+++ b/KeywordSuggestion.pptx
@@ -200,7 +200,7 @@
           <a:p>
             <a:fld id="{4B205740-88D9-4209-A47E-0BCE9E80B102}" type="datetimeFigureOut">
               <a:rPr lang="en-US" smtClean="0"/>
-              <a:t>4/3/2022</a:t>
+              <a:t>4/10/2022</a:t>
             </a:fld>
             <a:endParaRPr lang="en-US"/>
           </a:p>
@@ -880,7 +880,7 @@
           <a:p>
             <a:fld id="{F8CF6AE2-A0FC-44DC-A05B-B063A26E2107}" type="datetimeFigureOut">
               <a:rPr lang="en-US" smtClean="0"/>
-              <a:t>4/3/2022</a:t>
+              <a:t>4/10/2022</a:t>
             </a:fld>
             <a:endParaRPr lang="en-US"/>
           </a:p>
@@ -1078,7 +1078,7 @@
           <a:p>
             <a:fld id="{F8CF6AE2-A0FC-44DC-A05B-B063A26E2107}" type="datetimeFigureOut">
               <a:rPr lang="en-US" smtClean="0"/>
-              <a:t>4/3/2022</a:t>
+              <a:t>4/10/2022</a:t>
             </a:fld>
             <a:endParaRPr lang="en-US"/>
           </a:p>
@@ -1286,7 +1286,7 @@
           <a:p>
             <a:fld id="{F8CF6AE2-A0FC-44DC-A05B-B063A26E2107}" type="datetimeFigureOut">
               <a:rPr lang="en-US" smtClean="0"/>
-              <a:t>4/3/2022</a:t>
+              <a:t>4/10/2022</a:t>
             </a:fld>
             <a:endParaRPr lang="en-US"/>
           </a:p>
@@ -1484,7 +1484,7 @@
           <a:p>
             <a:fld id="{F8CF6AE2-A0FC-44DC-A05B-B063A26E2107}" type="datetimeFigureOut">
               <a:rPr lang="en-US" smtClean="0"/>
-              <a:t>4/3/2022</a:t>
+              <a:t>4/10/2022</a:t>
             </a:fld>
             <a:endParaRPr lang="en-US"/>
           </a:p>
@@ -1759,7 +1759,7 @@
           <a:p>
             <a:fld id="{F8CF6AE2-A0FC-44DC-A05B-B063A26E2107}" type="datetimeFigureOut">
               <a:rPr lang="en-US" smtClean="0"/>
-              <a:t>4/3/2022</a:t>
+              <a:t>4/10/2022</a:t>
             </a:fld>
             <a:endParaRPr lang="en-US"/>
           </a:p>
@@ -2024,7 +2024,7 @@
           <a:p>
             <a:fld id="{F8CF6AE2-A0FC-44DC-A05B-B063A26E2107}" type="datetimeFigureOut">
               <a:rPr lang="en-US" smtClean="0"/>
-              <a:t>4/3/2022</a:t>
+              <a:t>4/10/2022</a:t>
             </a:fld>
             <a:endParaRPr lang="en-US"/>
           </a:p>
@@ -2436,7 +2436,7 @@
           <a:p>
             <a:fld id="{F8CF6AE2-A0FC-44DC-A05B-B063A26E2107}" type="datetimeFigureOut">
               <a:rPr lang="en-US" smtClean="0"/>
-              <a:t>4/3/2022</a:t>
+              <a:t>4/10/2022</a:t>
             </a:fld>
             <a:endParaRPr lang="en-US"/>
           </a:p>
@@ -2577,7 +2577,7 @@
           <a:p>
             <a:fld id="{F8CF6AE2-A0FC-44DC-A05B-B063A26E2107}" type="datetimeFigureOut">
               <a:rPr lang="en-US" smtClean="0"/>
-              <a:t>4/3/2022</a:t>
+              <a:t>4/10/2022</a:t>
             </a:fld>
             <a:endParaRPr lang="en-US"/>
           </a:p>
@@ -2690,7 +2690,7 @@
           <a:p>
             <a:fld id="{F8CF6AE2-A0FC-44DC-A05B-B063A26E2107}" type="datetimeFigureOut">
               <a:rPr lang="en-US" smtClean="0"/>
-              <a:t>4/3/2022</a:t>
+              <a:t>4/10/2022</a:t>
             </a:fld>
             <a:endParaRPr lang="en-US"/>
           </a:p>
@@ -3001,7 +3001,7 @@
           <a:p>
             <a:fld id="{F8CF6AE2-A0FC-44DC-A05B-B063A26E2107}" type="datetimeFigureOut">
               <a:rPr lang="en-US" smtClean="0"/>
-              <a:t>4/3/2022</a:t>
+              <a:t>4/10/2022</a:t>
             </a:fld>
             <a:endParaRPr lang="en-US"/>
           </a:p>
@@ -3289,7 +3289,7 @@
           <a:p>
             <a:fld id="{F8CF6AE2-A0FC-44DC-A05B-B063A26E2107}" type="datetimeFigureOut">
               <a:rPr lang="en-US" smtClean="0"/>
-              <a:t>4/3/2022</a:t>
+              <a:t>4/10/2022</a:t>
             </a:fld>
             <a:endParaRPr lang="en-US"/>
           </a:p>
@@ -3530,7 +3530,7 @@
           <a:p>
             <a:fld id="{F8CF6AE2-A0FC-44DC-A05B-B063A26E2107}" type="datetimeFigureOut">
               <a:rPr lang="en-US" smtClean="0"/>
-              <a:t>4/3/2022</a:t>
+              <a:t>4/10/2022</a:t>
             </a:fld>
             <a:endParaRPr lang="en-US"/>
           </a:p>
@@ -3970,7 +3970,7 @@
           <a:p>
             <a:r>
               <a:rPr lang="en-US" dirty="0"/>
-              <a:t>Keyword Suggestion</a:t>
+              <a:t>Autocomplete</a:t>
             </a:r>
           </a:p>
         </p:txBody>
@@ -4149,7 +4149,7 @@
                 </a:solidFill>
                 <a:latin typeface="-apple-system"/>
               </a:rPr>
-              <a:t> Keyword Retrieve, Save, Update</a:t>
+              <a:t> Keyword Retrieve, Save</a:t>
             </a:r>
             <a:br>
               <a:rPr lang="en-US" sz="1600" dirty="0">
@@ -4208,7 +4208,7 @@
                 </a:solidFill>
                 <a:latin typeface="-apple-system"/>
               </a:rPr>
-              <a:t> Sorted by frequency each region</a:t>
+              <a:t> Sorted by ranking model</a:t>
             </a:r>
           </a:p>
           <a:p>
@@ -4540,7 +4540,7 @@
         </p:blipFill>
         <p:spPr>
           <a:xfrm>
-            <a:off x="1489353" y="1136904"/>
+            <a:off x="3082179" y="1817291"/>
             <a:ext cx="649224" cy="649224"/>
           </a:xfrm>
           <a:prstGeom prst="rect">
@@ -4576,7 +4576,7 @@
         </p:blipFill>
         <p:spPr>
           <a:xfrm>
-            <a:off x="1450430" y="2252405"/>
+            <a:off x="3043256" y="2932792"/>
             <a:ext cx="609600" cy="609600"/>
           </a:xfrm>
           <a:prstGeom prst="rect">
@@ -4612,7 +4612,7 @@
         </p:blipFill>
         <p:spPr>
           <a:xfrm>
-            <a:off x="1376577" y="3099258"/>
+            <a:off x="2969403" y="3779645"/>
             <a:ext cx="762000" cy="762000"/>
           </a:xfrm>
           <a:prstGeom prst="rect">
@@ -4637,7 +4637,7 @@
         </p:nvCxnSpPr>
         <p:spPr>
           <a:xfrm flipV="1">
-            <a:off x="2060030" y="2548981"/>
+            <a:off x="3652856" y="3229368"/>
             <a:ext cx="1470841" cy="8224"/>
           </a:xfrm>
           <a:prstGeom prst="straightConnector1">
@@ -4680,7 +4680,7 @@
         </p:nvCxnSpPr>
         <p:spPr>
           <a:xfrm flipV="1">
-            <a:off x="2138577" y="2548981"/>
+            <a:off x="3731403" y="3229368"/>
             <a:ext cx="1392294" cy="931277"/>
           </a:xfrm>
           <a:prstGeom prst="straightConnector1">
@@ -4723,7 +4723,7 @@
         </p:nvCxnSpPr>
         <p:spPr>
           <a:xfrm>
-            <a:off x="2138577" y="1461516"/>
+            <a:off x="3731403" y="2141903"/>
             <a:ext cx="1392294" cy="1087465"/>
           </a:xfrm>
           <a:prstGeom prst="straightConnector1">
@@ -4777,7 +4777,7 @@
         </p:blipFill>
         <p:spPr>
           <a:xfrm>
-            <a:off x="3494596" y="2176207"/>
+            <a:off x="5087422" y="2856594"/>
             <a:ext cx="380998" cy="380998"/>
           </a:xfrm>
           <a:prstGeom prst="rect">
@@ -4799,7 +4799,7 @@
         </p:nvSpPr>
         <p:spPr>
           <a:xfrm>
-            <a:off x="3290108" y="2938804"/>
+            <a:off x="4882934" y="3619191"/>
             <a:ext cx="1011815" cy="430887"/>
           </a:xfrm>
           <a:prstGeom prst="rect">
@@ -4856,7 +4856,7 @@
         </p:blipFill>
         <p:spPr>
           <a:xfrm>
-            <a:off x="3757051" y="2177112"/>
+            <a:off x="5349877" y="2857499"/>
             <a:ext cx="380998" cy="380998"/>
           </a:xfrm>
           <a:prstGeom prst="rect">
@@ -4892,7 +4892,7 @@
         </p:blipFill>
         <p:spPr>
           <a:xfrm>
-            <a:off x="3497018" y="2557209"/>
+            <a:off x="5089844" y="3237596"/>
             <a:ext cx="380998" cy="380998"/>
           </a:xfrm>
           <a:prstGeom prst="rect">
@@ -4928,7 +4928,7 @@
         </p:blipFill>
         <p:spPr>
           <a:xfrm>
-            <a:off x="3759473" y="2558114"/>
+            <a:off x="5352299" y="3238501"/>
             <a:ext cx="380998" cy="380998"/>
           </a:xfrm>
           <a:prstGeom prst="rect">
@@ -4964,7 +4964,7 @@
         </p:blipFill>
         <p:spPr>
           <a:xfrm>
-            <a:off x="6371650" y="2356249"/>
+            <a:off x="7964476" y="3036636"/>
             <a:ext cx="385463" cy="385463"/>
           </a:xfrm>
           <a:prstGeom prst="rect">
@@ -4989,7 +4989,7 @@
         </p:nvCxnSpPr>
         <p:spPr>
           <a:xfrm flipV="1">
-            <a:off x="4138049" y="2548981"/>
+            <a:off x="5730875" y="3229368"/>
             <a:ext cx="2233601" cy="7323"/>
           </a:xfrm>
           <a:prstGeom prst="straightConnector1">
@@ -5029,8 +5029,8 @@
         </p:nvSpPr>
         <p:spPr>
           <a:xfrm>
-            <a:off x="4803763" y="2577166"/>
-            <a:ext cx="1098378" cy="577081"/>
+            <a:off x="6362925" y="3257553"/>
+            <a:ext cx="1165705" cy="415498"/>
           </a:xfrm>
           <a:prstGeom prst="rect">
             <a:avLst/>
@@ -5053,14 +5053,7 @@
             </a:br>
             <a:r>
               <a:rPr lang="en-US" sz="1050" dirty="0"/>
-              <a:t>each region</a:t>
-            </a:r>
-          </a:p>
-          <a:p>
-            <a:pPr algn="ctr"/>
-            <a:r>
-              <a:rPr lang="en-US" sz="1050" dirty="0"/>
-              <a:t>Order by priority</a:t>
+              <a:t>by Ranking Model</a:t>
             </a:r>
           </a:p>
         </p:txBody>
@@ -5079,7 +5072,7 @@
         </p:nvSpPr>
         <p:spPr>
           <a:xfrm rot="2324436">
-            <a:off x="2543235" y="1725634"/>
+            <a:off x="4136061" y="2406021"/>
             <a:ext cx="643125" cy="253916"/>
           </a:xfrm>
           <a:prstGeom prst="rect">
@@ -5115,7 +5108,7 @@
         </p:nvSpPr>
         <p:spPr>
           <a:xfrm>
-            <a:off x="2466921" y="2296918"/>
+            <a:off x="4059747" y="2977305"/>
             <a:ext cx="439544" cy="253916"/>
           </a:xfrm>
           <a:prstGeom prst="rect">
@@ -5261,7 +5254,7 @@
         </p:nvCxnSpPr>
         <p:spPr>
           <a:xfrm flipV="1">
-            <a:off x="2386033" y="2207075"/>
+            <a:off x="3632697" y="2256237"/>
             <a:ext cx="1470841" cy="8224"/>
           </a:xfrm>
           <a:prstGeom prst="straightConnector1">
@@ -5315,7 +5308,7 @@
         </p:blipFill>
         <p:spPr>
           <a:xfrm>
-            <a:off x="5223872" y="1353523"/>
+            <a:off x="5891480" y="1752507"/>
             <a:ext cx="225616" cy="225616"/>
           </a:xfrm>
           <a:prstGeom prst="rect">
@@ -5337,7 +5330,7 @@
         </p:nvSpPr>
         <p:spPr>
           <a:xfrm>
-            <a:off x="2724307" y="1930294"/>
+            <a:off x="3970971" y="1979456"/>
             <a:ext cx="643125" cy="253916"/>
           </a:xfrm>
           <a:prstGeom prst="rect">
@@ -5373,7 +5366,7 @@
         </p:nvSpPr>
         <p:spPr>
           <a:xfrm>
-            <a:off x="5268848" y="1529702"/>
+            <a:off x="5936456" y="1928686"/>
             <a:ext cx="873957" cy="253916"/>
           </a:xfrm>
           <a:prstGeom prst="rect">
@@ -5423,7 +5416,7 @@
         </p:blipFill>
         <p:spPr>
           <a:xfrm>
-            <a:off x="3965221" y="1965660"/>
+            <a:off x="6950145" y="829707"/>
             <a:ext cx="540877" cy="540877"/>
           </a:xfrm>
           <a:prstGeom prst="rect">
@@ -5445,7 +5438,7 @@
         </p:nvSpPr>
         <p:spPr>
           <a:xfrm>
-            <a:off x="6209143" y="1529702"/>
+            <a:off x="6876751" y="1928686"/>
             <a:ext cx="873957" cy="253916"/>
           </a:xfrm>
           <a:prstGeom prst="rect">
@@ -5481,7 +5474,7 @@
         </p:nvSpPr>
         <p:spPr>
           <a:xfrm>
-            <a:off x="7130806" y="1529702"/>
+            <a:off x="7798414" y="1928686"/>
             <a:ext cx="873957" cy="253916"/>
           </a:xfrm>
           <a:prstGeom prst="rect">
@@ -5517,7 +5510,7 @@
         </p:nvSpPr>
         <p:spPr>
           <a:xfrm>
-            <a:off x="4028124" y="2438665"/>
+            <a:off x="7071511" y="624073"/>
             <a:ext cx="373820" cy="253916"/>
           </a:xfrm>
           <a:prstGeom prst="rect">
@@ -5568,7 +5561,7 @@
         </p:blipFill>
         <p:spPr bwMode="auto">
           <a:xfrm>
-            <a:off x="7396448" y="2026886"/>
+            <a:off x="8064056" y="2425870"/>
             <a:ext cx="1264699" cy="1203394"/>
           </a:xfrm>
           <a:prstGeom prst="rect">
@@ -5615,7 +5608,7 @@
         </p:blipFill>
         <p:spPr bwMode="auto">
           <a:xfrm>
-            <a:off x="6179348" y="2031940"/>
+            <a:off x="6846956" y="2430924"/>
             <a:ext cx="1264699" cy="1203394"/>
           </a:xfrm>
           <a:prstGeom prst="rect">
@@ -5662,7 +5655,7 @@
         </p:blipFill>
         <p:spPr bwMode="auto">
           <a:xfrm>
-            <a:off x="5016572" y="1971101"/>
+            <a:off x="5684180" y="2370085"/>
             <a:ext cx="1264699" cy="1203394"/>
           </a:xfrm>
           <a:prstGeom prst="rect">
@@ -5680,50 +5673,6 @@
           </a:extLst>
         </p:spPr>
       </p:pic>
-      <p:sp>
-        <p:nvSpPr>
-          <p:cNvPr id="9" name="Left Brace 8">
-            <a:extLst>
-              <a:ext uri="{FF2B5EF4-FFF2-40B4-BE49-F238E27FC236}">
-                <a16:creationId xmlns:a16="http://schemas.microsoft.com/office/drawing/2014/main" id="{5BA4F1CB-D31E-4FE5-88A4-86850106DEE6}"/>
-              </a:ext>
-            </a:extLst>
-          </p:cNvPr>
-          <p:cNvSpPr/>
-          <p:nvPr/>
-        </p:nvSpPr>
-        <p:spPr>
-          <a:xfrm>
-            <a:off x="4536433" y="1210428"/>
-            <a:ext cx="537542" cy="2053288"/>
-          </a:xfrm>
-          <a:prstGeom prst="leftBrace">
-            <a:avLst/>
-          </a:prstGeom>
-        </p:spPr>
-        <p:style>
-          <a:lnRef idx="1">
-            <a:schemeClr val="accent1"/>
-          </a:lnRef>
-          <a:fillRef idx="0">
-            <a:schemeClr val="accent1"/>
-          </a:fillRef>
-          <a:effectRef idx="0">
-            <a:schemeClr val="accent1"/>
-          </a:effectRef>
-          <a:fontRef idx="minor">
-            <a:schemeClr val="tx1"/>
-          </a:fontRef>
-        </p:style>
-        <p:txBody>
-          <a:bodyPr rtlCol="0" anchor="ctr"/>
-          <a:lstStyle/>
-          <a:p>
-            <a:pPr algn="ctr"/>
-            <a:endParaRPr lang="en-US"/>
-          </a:p>
-        </p:txBody>
-      </p:sp>
       <p:pic>
         <p:nvPicPr>
           <p:cNvPr id="42" name="Picture 41">
@@ -5752,7 +5701,7 @@
         </p:blipFill>
         <p:spPr>
           <a:xfrm>
-            <a:off x="6586450" y="4165674"/>
+            <a:off x="8053644" y="4493266"/>
             <a:ext cx="380998" cy="380998"/>
           </a:xfrm>
           <a:prstGeom prst="rect">
@@ -5774,7 +5723,7 @@
         </p:nvSpPr>
         <p:spPr>
           <a:xfrm>
-            <a:off x="6226345" y="4599737"/>
+            <a:off x="7693539" y="4927329"/>
             <a:ext cx="987770" cy="415498"/>
           </a:xfrm>
           <a:prstGeom prst="rect">
@@ -5835,7 +5784,7 @@
         </p:blipFill>
         <p:spPr>
           <a:xfrm>
-            <a:off x="1975893" y="2046705"/>
+            <a:off x="3222557" y="2095867"/>
             <a:ext cx="345604" cy="345604"/>
           </a:xfrm>
           <a:prstGeom prst="rect">
@@ -5871,7 +5820,7 @@
         </p:blipFill>
         <p:spPr>
           <a:xfrm>
-            <a:off x="1615987" y="2057252"/>
+            <a:off x="2862651" y="2106414"/>
             <a:ext cx="324510" cy="324510"/>
           </a:xfrm>
           <a:prstGeom prst="rect">
@@ -5907,7 +5856,7 @@
         </p:blipFill>
         <p:spPr>
           <a:xfrm>
-            <a:off x="1157385" y="1995104"/>
+            <a:off x="2404049" y="2044266"/>
             <a:ext cx="405638" cy="405638"/>
           </a:xfrm>
           <a:prstGeom prst="rect">
@@ -5943,7 +5892,7 @@
         </p:blipFill>
         <p:spPr>
           <a:xfrm>
-            <a:off x="3973204" y="3784676"/>
+            <a:off x="5440398" y="4112268"/>
             <a:ext cx="380998" cy="380998"/>
           </a:xfrm>
           <a:prstGeom prst="rect">
@@ -5979,7 +5928,7 @@
         </p:blipFill>
         <p:spPr>
           <a:xfrm>
-            <a:off x="4235659" y="3785581"/>
+            <a:off x="5702853" y="4113173"/>
             <a:ext cx="380998" cy="380998"/>
           </a:xfrm>
           <a:prstGeom prst="rect">
@@ -6015,7 +5964,7 @@
         </p:blipFill>
         <p:spPr>
           <a:xfrm>
-            <a:off x="3975626" y="4165678"/>
+            <a:off x="5442820" y="4493270"/>
             <a:ext cx="380998" cy="380998"/>
           </a:xfrm>
           <a:prstGeom prst="rect">
@@ -6051,7 +6000,7 @@
         </p:blipFill>
         <p:spPr>
           <a:xfrm>
-            <a:off x="4238081" y="4166583"/>
+            <a:off x="5705275" y="4494175"/>
             <a:ext cx="380998" cy="380998"/>
           </a:xfrm>
           <a:prstGeom prst="rect">
@@ -6073,7 +6022,7 @@
         </p:nvSpPr>
         <p:spPr>
           <a:xfrm>
-            <a:off x="3631227" y="4561157"/>
+            <a:off x="5098421" y="4888749"/>
             <a:ext cx="1375698" cy="253916"/>
           </a:xfrm>
           <a:prstGeom prst="rect">
@@ -6111,7 +6060,7 @@
         </p:nvCxnSpPr>
         <p:spPr>
           <a:xfrm>
-            <a:off x="2321497" y="2529403"/>
+            <a:off x="3568161" y="2578565"/>
             <a:ext cx="1437597" cy="1558548"/>
           </a:xfrm>
           <a:prstGeom prst="straightConnector1">
@@ -6151,7 +6100,7 @@
         </p:nvSpPr>
         <p:spPr>
           <a:xfrm rot="2859527">
-            <a:off x="3005700" y="3136757"/>
+            <a:off x="4472894" y="3464349"/>
             <a:ext cx="439544" cy="253916"/>
           </a:xfrm>
           <a:prstGeom prst="rect">
@@ -6201,7 +6150,7 @@
         </p:blipFill>
         <p:spPr>
           <a:xfrm>
-            <a:off x="4094075" y="5436492"/>
+            <a:off x="5555664" y="5747033"/>
             <a:ext cx="380792" cy="380792"/>
           </a:xfrm>
           <a:prstGeom prst="rect">
@@ -6223,7 +6172,7 @@
         </p:nvSpPr>
         <p:spPr>
           <a:xfrm>
-            <a:off x="4133107" y="5839446"/>
+            <a:off x="5600301" y="6167038"/>
             <a:ext cx="341760" cy="253916"/>
           </a:xfrm>
           <a:prstGeom prst="rect">
@@ -6262,7 +6211,7 @@
         </p:nvCxnSpPr>
         <p:spPr>
           <a:xfrm flipH="1">
-            <a:off x="4306748" y="4815073"/>
+            <a:off x="5773942" y="5142665"/>
             <a:ext cx="12328" cy="565155"/>
           </a:xfrm>
           <a:prstGeom prst="straightConnector1">
@@ -6305,7 +6254,7 @@
         </p:nvCxnSpPr>
         <p:spPr>
           <a:xfrm flipV="1">
-            <a:off x="4860330" y="4807486"/>
+            <a:off x="6327524" y="5135078"/>
             <a:ext cx="1366015" cy="765474"/>
           </a:xfrm>
           <a:prstGeom prst="straightConnector1">
@@ -6347,9 +6296,9 @@
           <p:nvPr/>
         </p:nvCxnSpPr>
         <p:spPr>
-          <a:xfrm flipV="1">
-            <a:off x="6776949" y="3235334"/>
-            <a:ext cx="34749" cy="930340"/>
+          <a:xfrm flipH="1" flipV="1">
+            <a:off x="7479306" y="3634318"/>
+            <a:ext cx="764837" cy="858948"/>
           </a:xfrm>
           <a:prstGeom prst="straightConnector1">
             <a:avLst/>
@@ -6401,7 +6350,7 @@
         </p:blipFill>
         <p:spPr>
           <a:xfrm rot="10800000">
-            <a:off x="6644462" y="3940191"/>
+            <a:off x="8111656" y="4267783"/>
             <a:ext cx="252015" cy="252015"/>
           </a:xfrm>
           <a:prstGeom prst="rect">
@@ -6423,7 +6372,7 @@
         </p:nvSpPr>
         <p:spPr>
           <a:xfrm>
-            <a:off x="5604168" y="1076944"/>
+            <a:off x="6271776" y="1475928"/>
             <a:ext cx="1915910" cy="253916"/>
           </a:xfrm>
           <a:prstGeom prst="rect">
@@ -6489,7 +6438,7 @@
         </p:blipFill>
         <p:spPr>
           <a:xfrm>
-            <a:off x="5439883" y="1353523"/>
+            <a:off x="6107491" y="1752507"/>
             <a:ext cx="225616" cy="225616"/>
           </a:xfrm>
           <a:prstGeom prst="rect">
@@ -6525,7 +6474,7 @@
         </p:blipFill>
         <p:spPr>
           <a:xfrm>
-            <a:off x="5663078" y="1353523"/>
+            <a:off x="6330686" y="1752507"/>
             <a:ext cx="225616" cy="225616"/>
           </a:xfrm>
           <a:prstGeom prst="rect">
@@ -6561,7 +6510,7 @@
         </p:blipFill>
         <p:spPr>
           <a:xfrm>
-            <a:off x="5878018" y="1353523"/>
+            <a:off x="6545626" y="1752507"/>
             <a:ext cx="225616" cy="225616"/>
           </a:xfrm>
           <a:prstGeom prst="rect">
@@ -6597,7 +6546,7 @@
         </p:blipFill>
         <p:spPr>
           <a:xfrm>
-            <a:off x="6200346" y="1353523"/>
+            <a:off x="6867954" y="1752507"/>
             <a:ext cx="225616" cy="225616"/>
           </a:xfrm>
           <a:prstGeom prst="rect">
@@ -6633,7 +6582,7 @@
         </p:blipFill>
         <p:spPr>
           <a:xfrm>
-            <a:off x="6416357" y="1353523"/>
+            <a:off x="7083965" y="1752507"/>
             <a:ext cx="225616" cy="225616"/>
           </a:xfrm>
           <a:prstGeom prst="rect">
@@ -6669,7 +6618,7 @@
         </p:blipFill>
         <p:spPr>
           <a:xfrm>
-            <a:off x="6639552" y="1353523"/>
+            <a:off x="7307160" y="1752507"/>
             <a:ext cx="225616" cy="225616"/>
           </a:xfrm>
           <a:prstGeom prst="rect">
@@ -6705,7 +6654,7 @@
         </p:blipFill>
         <p:spPr>
           <a:xfrm>
-            <a:off x="6854492" y="1353523"/>
+            <a:off x="7522100" y="1752507"/>
             <a:ext cx="225616" cy="225616"/>
           </a:xfrm>
           <a:prstGeom prst="rect">
@@ -6741,7 +6690,7 @@
         </p:blipFill>
         <p:spPr>
           <a:xfrm>
-            <a:off x="7191622" y="1353523"/>
+            <a:off x="7859230" y="1752507"/>
             <a:ext cx="225616" cy="225616"/>
           </a:xfrm>
           <a:prstGeom prst="rect">
@@ -6777,7 +6726,7 @@
         </p:blipFill>
         <p:spPr>
           <a:xfrm>
-            <a:off x="7407633" y="1353523"/>
+            <a:off x="8075241" y="1752507"/>
             <a:ext cx="225616" cy="225616"/>
           </a:xfrm>
           <a:prstGeom prst="rect">
@@ -6813,7 +6762,7 @@
         </p:blipFill>
         <p:spPr>
           <a:xfrm>
-            <a:off x="7630828" y="1353523"/>
+            <a:off x="8298436" y="1752507"/>
             <a:ext cx="225616" cy="225616"/>
           </a:xfrm>
           <a:prstGeom prst="rect">
@@ -6849,7 +6798,7 @@
         </p:blipFill>
         <p:spPr>
           <a:xfrm>
-            <a:off x="7845768" y="1353523"/>
+            <a:off x="8513376" y="1752507"/>
             <a:ext cx="225616" cy="225616"/>
           </a:xfrm>
           <a:prstGeom prst="rect">
@@ -6872,14 +6821,14 @@
           <p:nvPr>
             <p:extLst>
               <p:ext uri="{D42A27DB-BD31-4B8C-83A1-F6EECF244321}">
-                <p14:modId xmlns:p14="http://schemas.microsoft.com/office/powerpoint/2010/main" val="2770256721"/>
+                <p14:modId xmlns:p14="http://schemas.microsoft.com/office/powerpoint/2010/main" val="695719506"/>
               </p:ext>
             </p:extLst>
           </p:nvPr>
         </p:nvGraphicFramePr>
         <p:xfrm>
-          <a:off x="914502" y="5114416"/>
-          <a:ext cx="2958058" cy="1219200"/>
+          <a:off x="1500282" y="5196326"/>
+          <a:ext cx="3141604" cy="1219200"/>
         </p:xfrm>
         <a:graphic>
           <a:graphicData uri="http://schemas.openxmlformats.org/drawingml/2006/table">
@@ -6888,28 +6837,28 @@
                 <a:tableStyleId>{5C22544A-7EE6-4342-B048-85BDC9FD1C3A}</a:tableStyleId>
               </a:tblPr>
               <a:tblGrid>
-                <a:gridCol w="667807">
+                <a:gridCol w="709245">
                   <a:extLst>
                     <a:ext uri="{9D8B030D-6E8A-4147-A177-3AD203B41FA5}">
                       <a16:colId xmlns:a16="http://schemas.microsoft.com/office/drawing/2014/main" val="501410180"/>
                     </a:ext>
                   </a:extLst>
                 </a:gridCol>
-                <a:gridCol w="818984">
+                <a:gridCol w="869801">
                   <a:extLst>
                     <a:ext uri="{9D8B030D-6E8A-4147-A177-3AD203B41FA5}">
                       <a16:colId xmlns:a16="http://schemas.microsoft.com/office/drawing/2014/main" val="2556601176"/>
                     </a:ext>
                   </a:extLst>
                 </a:gridCol>
-                <a:gridCol w="787180">
+                <a:gridCol w="836024">
                   <a:extLst>
                     <a:ext uri="{9D8B030D-6E8A-4147-A177-3AD203B41FA5}">
                       <a16:colId xmlns:a16="http://schemas.microsoft.com/office/drawing/2014/main" val="3100165475"/>
                     </a:ext>
                   </a:extLst>
                 </a:gridCol>
-                <a:gridCol w="684087">
+                <a:gridCol w="726534">
                   <a:extLst>
                     <a:ext uri="{9D8B030D-6E8A-4147-A177-3AD203B41FA5}">
                       <a16:colId xmlns:a16="http://schemas.microsoft.com/office/drawing/2014/main" val="3638617122"/>
@@ -6964,7 +6913,7 @@
                     <a:p>
                       <a:r>
                         <a:rPr lang="en-US" sz="1000" dirty="0"/>
-                        <a:t>region</a:t>
+                        <a:t>Region</a:t>
                       </a:r>
                     </a:p>
                   </a:txBody>
@@ -7232,8 +7181,8 @@
         </p:nvSpPr>
         <p:spPr>
           <a:xfrm>
-            <a:off x="812720" y="4876709"/>
-            <a:ext cx="2077813" cy="253916"/>
+            <a:off x="1410867" y="4874264"/>
+            <a:ext cx="3440365" cy="253916"/>
           </a:xfrm>
           <a:prstGeom prst="rect">
             <a:avLst/>
@@ -7249,7 +7198,7 @@
             <a:pPr algn="ctr"/>
             <a:r>
               <a:rPr lang="en-US" sz="1050" dirty="0"/>
-              <a:t>Priority = Date*Weight*Frequency</a:t>
+              <a:t>Ranking Model = Date*Weight*Frequency Group by Region</a:t>
             </a:r>
           </a:p>
         </p:txBody>
